--- a/DeepLearning.pptx
+++ b/DeepLearning.pptx
@@ -12320,7 +12320,7 @@
           <p:cNvPr id="4" name="Content Placeholder 2">
             <a:extLst>
               <a:ext uri="{FF2B5EF4-FFF2-40B4-BE49-F238E27FC236}">
-                <a16:creationId xmlns:a16="http://schemas.microsoft.com/office/drawing/2014/main" xmlns="" id="{811188E1-2E3B-4C7D-9CDE-10DC50DCD60C}"/>
+                <a16:creationId xmlns="" xmlns:a16="http://schemas.microsoft.com/office/drawing/2014/main" id="{811188E1-2E3B-4C7D-9CDE-10DC50DCD60C}"/>
               </a:ext>
             </a:extLst>
           </p:cNvPr>
@@ -12416,7 +12416,7 @@
           <p:cNvPr id="5" name="Picture 4">
             <a:extLst>
               <a:ext uri="{FF2B5EF4-FFF2-40B4-BE49-F238E27FC236}">
-                <a16:creationId xmlns:a16="http://schemas.microsoft.com/office/drawing/2014/main" xmlns="" id="{0DD36402-F174-4FD4-B10E-F5C8500617FF}"/>
+                <a16:creationId xmlns="" xmlns:a16="http://schemas.microsoft.com/office/drawing/2014/main" id="{0DD36402-F174-4FD4-B10E-F5C8500617FF}"/>
               </a:ext>
             </a:extLst>
           </p:cNvPr>
